--- a/final_project/ПЕРЕЗАПУСК_Защита проекта.pptx
+++ b/final_project/ПЕРЕЗАПУСК_Защита проекта.pptx
@@ -3622,7 +3622,7 @@
                   </a:schemeClr>
                 </a:solidFill>
               </a:rPr>
-              <a:t>Выгрузка облигаций с сайта moex.com на 22.10.2021. </a:t>
+              <a:t>Онлайн выгрузка облигаций с сайта moex.com на 22.10.2021. </a:t>
             </a:r>
             <a:endParaRPr lang="ru-RU" i="1">
               <a:solidFill>
@@ -4117,9 +4117,34 @@
           </a:p>
         </p:txBody>
       </p:sp>
+      <p:sp>
+        <p:nvSpPr>
+          <p:cNvPr id="1641074335" name="" hidden="0"/>
+          <p:cNvSpPr/>
+          <p:nvPr isPhoto="0" userDrawn="0"/>
+        </p:nvSpPr>
+        <p:spPr bwMode="auto">
+          <a:xfrm flipH="0" flipV="0">
+            <a:off x="6011737" y="3393063"/>
+            <a:ext cx="211738" cy="264571"/>
+          </a:xfrm>
+        </p:spPr>
+        <p:txBody>
+          <a:bodyPr rot="0" spcFirstLastPara="0" vertOverflow="overflow" horzOverflow="clip" vert="horz" wrap="square" lIns="91440" tIns="45720" rIns="91440" bIns="45720" numCol="1" spcCol="0" rtlCol="0" fromWordArt="0" anchor="t" anchorCtr="0" forceAA="0" upright="0" compatLnSpc="1">
+            <a:prstTxWarp prst="textNoShape"/>
+            <a:noAutofit/>
+          </a:bodyPr>
+          <a:p>
+            <a:pPr>
+              <a:defRPr/>
+            </a:pPr>
+            <a:endParaRPr/>
+          </a:p>
+        </p:txBody>
+      </p:sp>
       <p:pic>
         <p:nvPicPr>
-          <p:cNvPr id="1175679009" name="" hidden="0"/>
+          <p:cNvPr id="950579484" name="" hidden="0"/>
           <p:cNvPicPr>
             <a:picLocks noChangeAspect="1"/>
           </p:cNvPicPr>
@@ -4131,8 +4156,8 @@
         </p:blipFill>
         <p:spPr bwMode="auto">
           <a:xfrm flipH="0" flipV="0">
-            <a:off x="5366646" y="3267900"/>
-            <a:ext cx="5987153" cy="2909062"/>
+            <a:off x="5302820" y="3286949"/>
+            <a:ext cx="6050979" cy="2890012"/>
           </a:xfrm>
           <a:prstGeom prst="rect">
             <a:avLst/>
@@ -4361,9 +4386,34 @@
           </a:p>
         </p:txBody>
       </p:sp>
+      <p:sp>
+        <p:nvSpPr>
+          <p:cNvPr id="1899465903" name="" hidden="0"/>
+          <p:cNvSpPr/>
+          <p:nvPr isPhoto="0" userDrawn="0"/>
+        </p:nvSpPr>
+        <p:spPr bwMode="auto">
+          <a:xfrm flipH="0" flipV="0">
+            <a:off x="1620282" y="-321527"/>
+            <a:ext cx="107392" cy="164048"/>
+          </a:xfrm>
+        </p:spPr>
+        <p:txBody>
+          <a:bodyPr rot="0" spcFirstLastPara="0" vertOverflow="overflow" horzOverflow="clip" vert="horz" wrap="square" lIns="91440" tIns="45720" rIns="91440" bIns="45720" numCol="1" spcCol="0" rtlCol="0" fromWordArt="0" anchor="t" anchorCtr="0" forceAA="0" upright="0" compatLnSpc="1">
+            <a:prstTxWarp prst="textNoShape"/>
+            <a:noAutofit/>
+          </a:bodyPr>
+          <a:p>
+            <a:pPr>
+              <a:defRPr/>
+            </a:pPr>
+            <a:endParaRPr/>
+          </a:p>
+        </p:txBody>
+      </p:sp>
       <p:pic>
         <p:nvPicPr>
-          <p:cNvPr id="1067222686" name="" hidden="0"/>
+          <p:cNvPr id="1198006844" name="" hidden="0"/>
           <p:cNvPicPr>
             <a:picLocks noChangeAspect="1"/>
           </p:cNvPicPr>
@@ -4375,8 +4425,8 @@
         </p:blipFill>
         <p:spPr bwMode="auto">
           <a:xfrm flipH="0" flipV="0">
-            <a:off x="5892599" y="1808002"/>
-            <a:ext cx="5461199" cy="4368959"/>
+            <a:off x="5876924" y="1795462"/>
+            <a:ext cx="5476874" cy="4381499"/>
           </a:xfrm>
           <a:prstGeom prst="rect">
             <a:avLst/>

--- a/final_project/ПЕРЕЗАПУСК_Защита проекта.pptx
+++ b/final_project/ПЕРЕЗАПУСК_Защита проекта.pptx
@@ -3622,7 +3622,7 @@
                   </a:schemeClr>
                 </a:solidFill>
               </a:rPr>
-              <a:t>Онлайн выгрузка облигаций с сайта moex.com на 22.10.2021. </a:t>
+              <a:t>Онлайн выгрузка облигаций с сайта moex.com на 25.10.2021. </a:t>
             </a:r>
             <a:endParaRPr lang="ru-RU" i="1">
               <a:solidFill>
@@ -4235,7 +4235,9 @@
         </p:nvSpPr>
         <p:spPr bwMode="auto"/>
         <p:txBody>
-          <a:bodyPr/>
+          <a:bodyPr vertOverflow="overflow" horzOverflow="clip" vert="horz" wrap="square" lIns="91440" tIns="45720" rIns="91440" bIns="45720" numCol="1" spcCol="0" rtlCol="0" fromWordArt="0" anchor="t" anchorCtr="0" forceAA="0" upright="0" compatLnSpc="0">
+            <a:normAutofit/>
+          </a:bodyPr>
           <a:lstStyle/>
           <a:p>
             <a:pPr>
@@ -4286,6 +4288,44 @@
             </a:endParaRPr>
           </a:p>
           <a:p>
+            <a:pPr marL="0" indent="0">
+              <a:buFont typeface="Arial"/>
+              <a:buNone/>
+              <a:defRPr/>
+            </a:pPr>
+            <a:r>
+              <a:rPr lang="ru-RU" sz="2000" b="0" i="1" u="none" strike="noStrike" cap="none" spc="0">
+                <a:solidFill>
+                  <a:schemeClr val="tx1"/>
+                </a:solidFill>
+                <a:latin typeface="+mn-lt"/>
+                <a:ea typeface="+mn-ea"/>
+                <a:cs typeface="+mn-cs"/>
+              </a:rPr>
+              <a:t>5 наиболее выгодных облигаций</a:t>
+            </a:r>
+            <a:endParaRPr sz="2000" i="1"/>
+          </a:p>
+          <a:p>
+            <a:pPr marL="0" indent="0">
+              <a:buFont typeface="Arial"/>
+              <a:buNone/>
+              <a:defRPr/>
+            </a:pPr>
+            <a:r>
+              <a:rPr lang="ru-RU" sz="2000" b="0" i="1" u="none" strike="noStrike" cap="none" spc="0">
+                <a:solidFill>
+                  <a:schemeClr val="tx1"/>
+                </a:solidFill>
+                <a:latin typeface="+mn-lt"/>
+                <a:ea typeface="+mn-ea"/>
+                <a:cs typeface="+mn-cs"/>
+              </a:rPr>
+              <a:t>с датой погашения в ближайшие 365 дней</a:t>
+            </a:r>
+            <a:endParaRPr sz="2000" i="1"/>
+          </a:p>
+          <a:p>
             <a:pPr>
               <a:defRPr/>
             </a:pPr>
@@ -4332,32 +4372,6 @@
                 </a:schemeClr>
               </a:solidFill>
             </a:endParaRPr>
-          </a:p>
-          <a:p>
-            <a:pPr>
-              <a:defRPr/>
-            </a:pPr>
-            <a:endParaRPr lang="ru-RU"/>
-          </a:p>
-          <a:p>
-            <a:pPr>
-              <a:defRPr/>
-            </a:pPr>
-            <a:endParaRPr lang="ru-RU" i="1">
-              <a:solidFill>
-                <a:schemeClr val="tx1">
-                  <a:lumMod val="65000"/>
-                  <a:lumOff val="35000"/>
-                </a:schemeClr>
-              </a:solidFill>
-            </a:endParaRPr>
-          </a:p>
-          <a:p>
-            <a:pPr marL="0" indent="0">
-              <a:buNone/>
-              <a:defRPr/>
-            </a:pPr>
-            <a:endParaRPr lang="ru-RU"/>
           </a:p>
         </p:txBody>
       </p:sp>
@@ -4526,7 +4540,7 @@
                   </a:schemeClr>
                 </a:solidFill>
               </a:rPr>
-              <a:t>Для предобработки выгрузки использован pandas, np</a:t>
+              <a:t>Для предобработки выгрузки использован pandas, numpy</a:t>
             </a:r>
             <a:endParaRPr lang="ru-RU" i="1">
               <a:solidFill>
